--- a/presentation/COVID-19 USA EDA.pptx
+++ b/presentation/COVID-19 USA EDA.pptx
@@ -5,15 +5,16 @@
     <p:sldMasterId id="2147483648" r:id="rId1"/>
   </p:sldMasterIdLst>
   <p:notesMasterIdLst>
-    <p:notesMasterId r:id="rId8"/>
+    <p:notesMasterId r:id="rId9"/>
   </p:notesMasterIdLst>
   <p:sldIdLst>
     <p:sldId id="256" r:id="rId2"/>
     <p:sldId id="257" r:id="rId3"/>
-    <p:sldId id="258" r:id="rId4"/>
-    <p:sldId id="259" r:id="rId5"/>
-    <p:sldId id="260" r:id="rId6"/>
-    <p:sldId id="261" r:id="rId7"/>
+    <p:sldId id="259" r:id="rId4"/>
+    <p:sldId id="258" r:id="rId5"/>
+    <p:sldId id="262" r:id="rId6"/>
+    <p:sldId id="260" r:id="rId7"/>
+    <p:sldId id="261" r:id="rId8"/>
   </p:sldIdLst>
   <p:sldSz cx="12192000" cy="6858000"/>
   <p:notesSz cx="6858000" cy="9144000"/>
@@ -120,6 +121,18 @@
 </p:presentation>
 </file>
 
+<file path=ppt/commentAuthors.xml><?xml version="1.0" encoding="utf-8"?>
+<p:cmAuthorLst xmlns:a="http://schemas.openxmlformats.org/drawingml/2006/main" xmlns:r="http://schemas.openxmlformats.org/officeDocument/2006/relationships" xmlns:p="http://schemas.openxmlformats.org/presentationml/2006/main">
+  <p:cmAuthor id="1" name="Plamen Dzhelepov" initials="PD" lastIdx="1" clrIdx="0">
+    <p:extLst>
+      <p:ext uri="{19B8F6BF-5375-455C-9EA6-DF929625EA0E}">
+        <p15:presenceInfo xmlns:p15="http://schemas.microsoft.com/office/powerpoint/2012/main" userId="b008df224ade74cf" providerId="Windows Live"/>
+      </p:ext>
+    </p:extLst>
+  </p:cmAuthor>
+</p:cmAuthorLst>
+</file>
+
 <file path=ppt/notesMasters/notesMaster1.xml><?xml version="1.0" encoding="utf-8"?>
 <p:notesMaster xmlns:a="http://schemas.openxmlformats.org/drawingml/2006/main" xmlns:r="http://schemas.openxmlformats.org/officeDocument/2006/relationships" xmlns:p="http://schemas.openxmlformats.org/presentationml/2006/main">
   <p:cSld>
@@ -202,7 +215,7 @@
           <a:p>
             <a:fld id="{BA567D6B-F80A-47E7-860A-243C286B4F86}" type="datetimeFigureOut">
               <a:rPr lang="en-US" smtClean="0"/>
-              <a:t>4/8/2020</a:t>
+              <a:t>4/9/2020</a:t>
             </a:fld>
             <a:endParaRPr lang="en-US"/>
           </a:p>
@@ -542,7 +555,7 @@
             </a:pPr>
             <a:r>
               <a:rPr lang="en-US" dirty="0"/>
-              <a:t>And we are all paying attention to it and wondering when there will be a vaccine</a:t>
+              <a:t>We are all affected by it, especially our daily lives, we are not allowed to socialize and even have to work from home. And we are all paying attention to it and wondering when there will be a vaccine</a:t>
             </a:r>
           </a:p>
           <a:p>
@@ -552,7 +565,7 @@
             </a:pPr>
             <a:r>
               <a:rPr lang="en-US" dirty="0"/>
-              <a:t>in order to take measures and prevent the further spread</a:t>
+              <a:t>In terms of gathering data, analyzing it, in order to take measures and prevent the further spread</a:t>
             </a:r>
           </a:p>
           <a:p>
@@ -562,7 +575,7 @@
             </a:pPr>
             <a:r>
               <a:rPr lang="en-US" dirty="0"/>
-              <a:t>Decided to explore that in my hypothesis testing in terms of cases and deaths (men vs women) and whether there is some statistic significance</a:t>
+              <a:t>#Decided to explore that in my hypothesis testing in terms of cases and deaths (men vs women) and whether there is some statistic significance</a:t>
             </a:r>
           </a:p>
         </p:txBody>
@@ -594,6 +607,359 @@
     <p:extLst>
       <p:ext uri="{BB962C8B-B14F-4D97-AF65-F5344CB8AC3E}">
         <p14:creationId xmlns:p14="http://schemas.microsoft.com/office/powerpoint/2010/main" val="1634235857"/>
+      </p:ext>
+    </p:extLst>
+  </p:cSld>
+  <p:clrMapOvr>
+    <a:masterClrMapping/>
+  </p:clrMapOvr>
+</p:notes>
+</file>
+
+<file path=ppt/notesSlides/notesSlide2.xml><?xml version="1.0" encoding="utf-8"?>
+<p:notes xmlns:a="http://schemas.openxmlformats.org/drawingml/2006/main" xmlns:r="http://schemas.openxmlformats.org/officeDocument/2006/relationships" xmlns:p="http://schemas.openxmlformats.org/presentationml/2006/main">
+  <p:cSld>
+    <p:spTree>
+      <p:nvGrpSpPr>
+        <p:cNvPr id="1" name=""/>
+        <p:cNvGrpSpPr/>
+        <p:nvPr/>
+      </p:nvGrpSpPr>
+      <p:grpSpPr>
+        <a:xfrm>
+          <a:off x="0" y="0"/>
+          <a:ext cx="0" cy="0"/>
+          <a:chOff x="0" y="0"/>
+          <a:chExt cx="0" cy="0"/>
+        </a:xfrm>
+      </p:grpSpPr>
+      <p:sp>
+        <p:nvSpPr>
+          <p:cNvPr id="2" name="Slide Image Placeholder 1"/>
+          <p:cNvSpPr>
+            <a:spLocks noGrp="1" noRot="1" noChangeAspect="1"/>
+          </p:cNvSpPr>
+          <p:nvPr>
+            <p:ph type="sldImg"/>
+          </p:nvPr>
+        </p:nvSpPr>
+        <p:spPr/>
+      </p:sp>
+      <p:sp>
+        <p:nvSpPr>
+          <p:cNvPr id="3" name="Notes Placeholder 2"/>
+          <p:cNvSpPr>
+            <a:spLocks noGrp="1"/>
+          </p:cNvSpPr>
+          <p:nvPr>
+            <p:ph type="body" idx="1"/>
+          </p:nvPr>
+        </p:nvSpPr>
+        <p:spPr/>
+        <p:txBody>
+          <a:bodyPr/>
+          <a:lstStyle/>
+          <a:p>
+            <a:pPr marL="171450" indent="-171450">
+              <a:buFont typeface="Arial" panose="020B0604020202020204" pitchFamily="34" charset="0"/>
+              <a:buChar char="•"/>
+            </a:pPr>
+            <a:r>
+              <a:rPr lang="en-US" dirty="0"/>
+              <a:t>Left side is time-series data for the US as a whole</a:t>
+            </a:r>
+          </a:p>
+        </p:txBody>
+      </p:sp>
+      <p:sp>
+        <p:nvSpPr>
+          <p:cNvPr id="4" name="Slide Number Placeholder 3"/>
+          <p:cNvSpPr>
+            <a:spLocks noGrp="1"/>
+          </p:cNvSpPr>
+          <p:nvPr>
+            <p:ph type="sldNum" sz="quarter" idx="5"/>
+          </p:nvPr>
+        </p:nvSpPr>
+        <p:spPr/>
+        <p:txBody>
+          <a:bodyPr/>
+          <a:lstStyle/>
+          <a:p>
+            <a:fld id="{C23B8B60-F0B6-4B00-9828-6EA1E41FB734}" type="slidenum">
+              <a:rPr lang="en-US" smtClean="0"/>
+              <a:t>3</a:t>
+            </a:fld>
+            <a:endParaRPr lang="en-US"/>
+          </a:p>
+        </p:txBody>
+      </p:sp>
+    </p:spTree>
+    <p:extLst>
+      <p:ext uri="{BB962C8B-B14F-4D97-AF65-F5344CB8AC3E}">
+        <p14:creationId xmlns:p14="http://schemas.microsoft.com/office/powerpoint/2010/main" val="2272275632"/>
+      </p:ext>
+    </p:extLst>
+  </p:cSld>
+  <p:clrMapOvr>
+    <a:masterClrMapping/>
+  </p:clrMapOvr>
+</p:notes>
+</file>
+
+<file path=ppt/notesSlides/notesSlide3.xml><?xml version="1.0" encoding="utf-8"?>
+<p:notes xmlns:a="http://schemas.openxmlformats.org/drawingml/2006/main" xmlns:r="http://schemas.openxmlformats.org/officeDocument/2006/relationships" xmlns:p="http://schemas.openxmlformats.org/presentationml/2006/main">
+  <p:cSld>
+    <p:spTree>
+      <p:nvGrpSpPr>
+        <p:cNvPr id="1" name=""/>
+        <p:cNvGrpSpPr/>
+        <p:nvPr/>
+      </p:nvGrpSpPr>
+      <p:grpSpPr>
+        <a:xfrm>
+          <a:off x="0" y="0"/>
+          <a:ext cx="0" cy="0"/>
+          <a:chOff x="0" y="0"/>
+          <a:chExt cx="0" cy="0"/>
+        </a:xfrm>
+      </p:grpSpPr>
+      <p:sp>
+        <p:nvSpPr>
+          <p:cNvPr id="2" name="Slide Image Placeholder 1"/>
+          <p:cNvSpPr>
+            <a:spLocks noGrp="1" noRot="1" noChangeAspect="1"/>
+          </p:cNvSpPr>
+          <p:nvPr>
+            <p:ph type="sldImg"/>
+          </p:nvPr>
+        </p:nvSpPr>
+        <p:spPr/>
+      </p:sp>
+      <p:sp>
+        <p:nvSpPr>
+          <p:cNvPr id="3" name="Notes Placeholder 2"/>
+          <p:cNvSpPr>
+            <a:spLocks noGrp="1"/>
+          </p:cNvSpPr>
+          <p:nvPr>
+            <p:ph type="body" idx="1"/>
+          </p:nvPr>
+        </p:nvSpPr>
+        <p:spPr/>
+        <p:txBody>
+          <a:bodyPr/>
+          <a:lstStyle/>
+          <a:p>
+            <a:pPr marL="171450" indent="-171450">
+              <a:buFont typeface="Arial" panose="020B0604020202020204" pitchFamily="34" charset="0"/>
+              <a:buChar char="•"/>
+            </a:pPr>
+            <a:r>
+              <a:rPr lang="en-US" dirty="0"/>
+              <a:t>Snapshot data up to that day, for example 04/08/2020 – US States &amp; Counties; Cases &amp; Deaths.</a:t>
+            </a:r>
+          </a:p>
+        </p:txBody>
+      </p:sp>
+      <p:sp>
+        <p:nvSpPr>
+          <p:cNvPr id="4" name="Slide Number Placeholder 3"/>
+          <p:cNvSpPr>
+            <a:spLocks noGrp="1"/>
+          </p:cNvSpPr>
+          <p:nvPr>
+            <p:ph type="sldNum" sz="quarter" idx="5"/>
+          </p:nvPr>
+        </p:nvSpPr>
+        <p:spPr/>
+        <p:txBody>
+          <a:bodyPr/>
+          <a:lstStyle/>
+          <a:p>
+            <a:fld id="{C23B8B60-F0B6-4B00-9828-6EA1E41FB734}" type="slidenum">
+              <a:rPr lang="en-US" smtClean="0"/>
+              <a:t>4</a:t>
+            </a:fld>
+            <a:endParaRPr lang="en-US"/>
+          </a:p>
+        </p:txBody>
+      </p:sp>
+    </p:spTree>
+    <p:extLst>
+      <p:ext uri="{BB962C8B-B14F-4D97-AF65-F5344CB8AC3E}">
+        <p14:creationId xmlns:p14="http://schemas.microsoft.com/office/powerpoint/2010/main" val="4240296703"/>
+      </p:ext>
+    </p:extLst>
+  </p:cSld>
+  <p:clrMapOvr>
+    <a:masterClrMapping/>
+  </p:clrMapOvr>
+</p:notes>
+</file>
+
+<file path=ppt/notesSlides/notesSlide4.xml><?xml version="1.0" encoding="utf-8"?>
+<p:notes xmlns:a="http://schemas.openxmlformats.org/drawingml/2006/main" xmlns:r="http://schemas.openxmlformats.org/officeDocument/2006/relationships" xmlns:p="http://schemas.openxmlformats.org/presentationml/2006/main">
+  <p:cSld>
+    <p:spTree>
+      <p:nvGrpSpPr>
+        <p:cNvPr id="1" name=""/>
+        <p:cNvGrpSpPr/>
+        <p:nvPr/>
+      </p:nvGrpSpPr>
+      <p:grpSpPr>
+        <a:xfrm>
+          <a:off x="0" y="0"/>
+          <a:ext cx="0" cy="0"/>
+          <a:chOff x="0" y="0"/>
+          <a:chExt cx="0" cy="0"/>
+        </a:xfrm>
+      </p:grpSpPr>
+      <p:sp>
+        <p:nvSpPr>
+          <p:cNvPr id="2" name="Slide Image Placeholder 1"/>
+          <p:cNvSpPr>
+            <a:spLocks noGrp="1" noRot="1" noChangeAspect="1"/>
+          </p:cNvSpPr>
+          <p:nvPr>
+            <p:ph type="sldImg"/>
+          </p:nvPr>
+        </p:nvSpPr>
+        <p:spPr/>
+      </p:sp>
+      <p:sp>
+        <p:nvSpPr>
+          <p:cNvPr id="3" name="Notes Placeholder 2"/>
+          <p:cNvSpPr>
+            <a:spLocks noGrp="1"/>
+          </p:cNvSpPr>
+          <p:nvPr>
+            <p:ph type="body" idx="1"/>
+          </p:nvPr>
+        </p:nvSpPr>
+        <p:spPr/>
+        <p:txBody>
+          <a:bodyPr/>
+          <a:lstStyle/>
+          <a:p>
+            <a:r>
+              <a:rPr lang="en-US" dirty="0"/>
+              <a:t>Same as last slide</a:t>
+            </a:r>
+          </a:p>
+        </p:txBody>
+      </p:sp>
+      <p:sp>
+        <p:nvSpPr>
+          <p:cNvPr id="4" name="Slide Number Placeholder 3"/>
+          <p:cNvSpPr>
+            <a:spLocks noGrp="1"/>
+          </p:cNvSpPr>
+          <p:nvPr>
+            <p:ph type="sldNum" sz="quarter" idx="5"/>
+          </p:nvPr>
+        </p:nvSpPr>
+        <p:spPr/>
+        <p:txBody>
+          <a:bodyPr/>
+          <a:lstStyle/>
+          <a:p>
+            <a:fld id="{C23B8B60-F0B6-4B00-9828-6EA1E41FB734}" type="slidenum">
+              <a:rPr lang="en-US" smtClean="0"/>
+              <a:t>5</a:t>
+            </a:fld>
+            <a:endParaRPr lang="en-US"/>
+          </a:p>
+        </p:txBody>
+      </p:sp>
+    </p:spTree>
+    <p:extLst>
+      <p:ext uri="{BB962C8B-B14F-4D97-AF65-F5344CB8AC3E}">
+        <p14:creationId xmlns:p14="http://schemas.microsoft.com/office/powerpoint/2010/main" val="2261415373"/>
+      </p:ext>
+    </p:extLst>
+  </p:cSld>
+  <p:clrMapOvr>
+    <a:masterClrMapping/>
+  </p:clrMapOvr>
+</p:notes>
+</file>
+
+<file path=ppt/notesSlides/notesSlide5.xml><?xml version="1.0" encoding="utf-8"?>
+<p:notes xmlns:a="http://schemas.openxmlformats.org/drawingml/2006/main" xmlns:r="http://schemas.openxmlformats.org/officeDocument/2006/relationships" xmlns:p="http://schemas.openxmlformats.org/presentationml/2006/main">
+  <p:cSld>
+    <p:spTree>
+      <p:nvGrpSpPr>
+        <p:cNvPr id="1" name=""/>
+        <p:cNvGrpSpPr/>
+        <p:nvPr/>
+      </p:nvGrpSpPr>
+      <p:grpSpPr>
+        <a:xfrm>
+          <a:off x="0" y="0"/>
+          <a:ext cx="0" cy="0"/>
+          <a:chOff x="0" y="0"/>
+          <a:chExt cx="0" cy="0"/>
+        </a:xfrm>
+      </p:grpSpPr>
+      <p:sp>
+        <p:nvSpPr>
+          <p:cNvPr id="2" name="Slide Image Placeholder 1"/>
+          <p:cNvSpPr>
+            <a:spLocks noGrp="1" noRot="1" noChangeAspect="1"/>
+          </p:cNvSpPr>
+          <p:nvPr>
+            <p:ph type="sldImg"/>
+          </p:nvPr>
+        </p:nvSpPr>
+        <p:spPr/>
+      </p:sp>
+      <p:sp>
+        <p:nvSpPr>
+          <p:cNvPr id="3" name="Notes Placeholder 2"/>
+          <p:cNvSpPr>
+            <a:spLocks noGrp="1"/>
+          </p:cNvSpPr>
+          <p:nvPr>
+            <p:ph type="body" idx="1"/>
+          </p:nvPr>
+        </p:nvSpPr>
+        <p:spPr/>
+        <p:txBody>
+          <a:bodyPr/>
+          <a:lstStyle/>
+          <a:p>
+            <a:endParaRPr lang="en-US" dirty="0"/>
+          </a:p>
+        </p:txBody>
+      </p:sp>
+      <p:sp>
+        <p:nvSpPr>
+          <p:cNvPr id="4" name="Slide Number Placeholder 3"/>
+          <p:cNvSpPr>
+            <a:spLocks noGrp="1"/>
+          </p:cNvSpPr>
+          <p:nvPr>
+            <p:ph type="sldNum" sz="quarter" idx="5"/>
+          </p:nvPr>
+        </p:nvSpPr>
+        <p:spPr/>
+        <p:txBody>
+          <a:bodyPr/>
+          <a:lstStyle/>
+          <a:p>
+            <a:fld id="{C23B8B60-F0B6-4B00-9828-6EA1E41FB734}" type="slidenum">
+              <a:rPr lang="en-US" smtClean="0"/>
+              <a:t>6</a:t>
+            </a:fld>
+            <a:endParaRPr lang="en-US"/>
+          </a:p>
+        </p:txBody>
+      </p:sp>
+    </p:spTree>
+    <p:extLst>
+      <p:ext uri="{BB962C8B-B14F-4D97-AF65-F5344CB8AC3E}">
+        <p14:creationId xmlns:p14="http://schemas.microsoft.com/office/powerpoint/2010/main" val="2936986133"/>
       </p:ext>
     </p:extLst>
   </p:cSld>
@@ -750,7 +1116,7 @@
           <a:p>
             <a:fld id="{A6C4FA7C-9829-478B-BC69-9EFC423774AF}" type="datetimeFigureOut">
               <a:rPr lang="en-US" smtClean="0"/>
-              <a:t>4/8/2020</a:t>
+              <a:t>4/9/2020</a:t>
             </a:fld>
             <a:endParaRPr lang="en-US"/>
           </a:p>
@@ -948,7 +1314,7 @@
           <a:p>
             <a:fld id="{A6C4FA7C-9829-478B-BC69-9EFC423774AF}" type="datetimeFigureOut">
               <a:rPr lang="en-US" smtClean="0"/>
-              <a:t>4/8/2020</a:t>
+              <a:t>4/9/2020</a:t>
             </a:fld>
             <a:endParaRPr lang="en-US"/>
           </a:p>
@@ -1156,7 +1522,7 @@
           <a:p>
             <a:fld id="{A6C4FA7C-9829-478B-BC69-9EFC423774AF}" type="datetimeFigureOut">
               <a:rPr lang="en-US" smtClean="0"/>
-              <a:t>4/8/2020</a:t>
+              <a:t>4/9/2020</a:t>
             </a:fld>
             <a:endParaRPr lang="en-US"/>
           </a:p>
@@ -1354,7 +1720,7 @@
           <a:p>
             <a:fld id="{A6C4FA7C-9829-478B-BC69-9EFC423774AF}" type="datetimeFigureOut">
               <a:rPr lang="en-US" smtClean="0"/>
-              <a:t>4/8/2020</a:t>
+              <a:t>4/9/2020</a:t>
             </a:fld>
             <a:endParaRPr lang="en-US"/>
           </a:p>
@@ -1629,7 +1995,7 @@
           <a:p>
             <a:fld id="{A6C4FA7C-9829-478B-BC69-9EFC423774AF}" type="datetimeFigureOut">
               <a:rPr lang="en-US" smtClean="0"/>
-              <a:t>4/8/2020</a:t>
+              <a:t>4/9/2020</a:t>
             </a:fld>
             <a:endParaRPr lang="en-US"/>
           </a:p>
@@ -1894,7 +2260,7 @@
           <a:p>
             <a:fld id="{A6C4FA7C-9829-478B-BC69-9EFC423774AF}" type="datetimeFigureOut">
               <a:rPr lang="en-US" smtClean="0"/>
-              <a:t>4/8/2020</a:t>
+              <a:t>4/9/2020</a:t>
             </a:fld>
             <a:endParaRPr lang="en-US"/>
           </a:p>
@@ -2306,7 +2672,7 @@
           <a:p>
             <a:fld id="{A6C4FA7C-9829-478B-BC69-9EFC423774AF}" type="datetimeFigureOut">
               <a:rPr lang="en-US" smtClean="0"/>
-              <a:t>4/8/2020</a:t>
+              <a:t>4/9/2020</a:t>
             </a:fld>
             <a:endParaRPr lang="en-US"/>
           </a:p>
@@ -2447,7 +2813,7 @@
           <a:p>
             <a:fld id="{A6C4FA7C-9829-478B-BC69-9EFC423774AF}" type="datetimeFigureOut">
               <a:rPr lang="en-US" smtClean="0"/>
-              <a:t>4/8/2020</a:t>
+              <a:t>4/9/2020</a:t>
             </a:fld>
             <a:endParaRPr lang="en-US"/>
           </a:p>
@@ -2560,7 +2926,7 @@
           <a:p>
             <a:fld id="{A6C4FA7C-9829-478B-BC69-9EFC423774AF}" type="datetimeFigureOut">
               <a:rPr lang="en-US" smtClean="0"/>
-              <a:t>4/8/2020</a:t>
+              <a:t>4/9/2020</a:t>
             </a:fld>
             <a:endParaRPr lang="en-US"/>
           </a:p>
@@ -2871,7 +3237,7 @@
           <a:p>
             <a:fld id="{A6C4FA7C-9829-478B-BC69-9EFC423774AF}" type="datetimeFigureOut">
               <a:rPr lang="en-US" smtClean="0"/>
-              <a:t>4/8/2020</a:t>
+              <a:t>4/9/2020</a:t>
             </a:fld>
             <a:endParaRPr lang="en-US"/>
           </a:p>
@@ -3159,7 +3525,7 @@
           <a:p>
             <a:fld id="{A6C4FA7C-9829-478B-BC69-9EFC423774AF}" type="datetimeFigureOut">
               <a:rPr lang="en-US" smtClean="0"/>
-              <a:t>4/8/2020</a:t>
+              <a:t>4/9/2020</a:t>
             </a:fld>
             <a:endParaRPr lang="en-US"/>
           </a:p>
@@ -3400,7 +3766,7 @@
           <a:p>
             <a:fld id="{A6C4FA7C-9829-478B-BC69-9EFC423774AF}" type="datetimeFigureOut">
               <a:rPr lang="en-US" smtClean="0"/>
-              <a:t>4/8/2020</a:t>
+              <a:t>4/9/2020</a:t>
             </a:fld>
             <a:endParaRPr lang="en-US"/>
           </a:p>
@@ -4345,12 +4711,6 @@
               <a:t>We are all trying to figure out as much as possible</a:t>
             </a:r>
           </a:p>
-          <a:p>
-            <a:r>
-              <a:rPr lang="en-US" dirty="0"/>
-              <a:t>The data shows that men are more affected than women</a:t>
-            </a:r>
-          </a:p>
         </p:txBody>
       </p:sp>
     </p:spTree>
@@ -4388,7 +4748,7 @@
           <p:cNvPr id="2" name="Title 1">
             <a:extLst>
               <a:ext uri="{FF2B5EF4-FFF2-40B4-BE49-F238E27FC236}">
-                <a16:creationId xmlns:a16="http://schemas.microsoft.com/office/drawing/2014/main" id="{2361983D-3F2E-4740-8E58-9F9030DAE9E2}"/>
+                <a16:creationId xmlns:a16="http://schemas.microsoft.com/office/drawing/2014/main" id="{2AFD4A13-EACD-4201-ABE8-CFF79D96A66F}"/>
               </a:ext>
             </a:extLst>
           </p:cNvPr>
@@ -4405,31 +4765,28 @@
           <a:lstStyle/>
           <a:p>
             <a:r>
-              <a:rPr lang="en-US"/>
+              <a:rPr lang="en-US" dirty="0"/>
               <a:t>Data Exploration</a:t>
             </a:r>
-            <a:endParaRPr lang="en-US" dirty="0"/>
           </a:p>
         </p:txBody>
       </p:sp>
       <p:pic>
         <p:nvPicPr>
-          <p:cNvPr id="9" name="Content Placeholder 8" descr="A screenshot of a cell phone&#10;&#10;Description automatically generated">
-            <a:extLst>
-              <a:ext uri="{FF2B5EF4-FFF2-40B4-BE49-F238E27FC236}">
-                <a16:creationId xmlns:a16="http://schemas.microsoft.com/office/drawing/2014/main" id="{0622E5F1-1979-493C-B387-BB49B355D01A}"/>
+          <p:cNvPr id="9" name="Picture 8" descr="A screenshot of a cell phone&#10;&#10;Description automatically generated">
+            <a:extLst>
+              <a:ext uri="{FF2B5EF4-FFF2-40B4-BE49-F238E27FC236}">
+                <a16:creationId xmlns:a16="http://schemas.microsoft.com/office/drawing/2014/main" id="{FB327719-2EC1-4968-B454-8394F57D1F8F}"/>
               </a:ext>
             </a:extLst>
           </p:cNvPr>
           <p:cNvPicPr>
-            <a:picLocks noGrp="1" noChangeAspect="1"/>
+            <a:picLocks noChangeAspect="1"/>
           </p:cNvPicPr>
-          <p:nvPr>
-            <p:ph idx="1"/>
-          </p:nvPr>
+          <p:nvPr/>
         </p:nvPicPr>
         <p:blipFill>
-          <a:blip r:embed="rId2">
+          <a:blip r:embed="rId3">
             <a:extLst>
               <a:ext uri="{28A0092B-C50C-407E-A947-70E740481C1C}">
                 <a14:useLocalDpi xmlns:a14="http://schemas.microsoft.com/office/drawing/2010/main" val="0"/>
@@ -4442,51 +4799,68 @@
         </p:blipFill>
         <p:spPr>
           <a:xfrm>
-            <a:off x="557608" y="2237781"/>
-            <a:ext cx="5289741" cy="3058812"/>
-          </a:xfrm>
-        </p:spPr>
-      </p:pic>
-      <p:pic>
-        <p:nvPicPr>
-          <p:cNvPr id="11" name="Picture 10" descr="A screenshot of a cell phone&#10;&#10;Description automatically generated">
-            <a:extLst>
-              <a:ext uri="{FF2B5EF4-FFF2-40B4-BE49-F238E27FC236}">
-                <a16:creationId xmlns:a16="http://schemas.microsoft.com/office/drawing/2014/main" id="{819B4081-7BB8-4E80-B5F9-842551FCCB81}"/>
-              </a:ext>
-            </a:extLst>
-          </p:cNvPr>
-          <p:cNvPicPr>
-            <a:picLocks noChangeAspect="1"/>
-          </p:cNvPicPr>
-          <p:nvPr/>
-        </p:nvPicPr>
-        <p:blipFill>
-          <a:blip r:embed="rId3">
-            <a:extLst>
-              <a:ext uri="{28A0092B-C50C-407E-A947-70E740481C1C}">
-                <a14:useLocalDpi xmlns:a14="http://schemas.microsoft.com/office/drawing/2010/main" val="0"/>
-              </a:ext>
-            </a:extLst>
-          </a:blip>
-          <a:stretch>
-            <a:fillRect/>
-          </a:stretch>
-        </p:blipFill>
-        <p:spPr>
-          <a:xfrm>
-            <a:off x="5847349" y="2237781"/>
-            <a:ext cx="5289741" cy="3158184"/>
+            <a:off x="3303794" y="1690688"/>
+            <a:ext cx="5584411" cy="4251599"/>
           </a:xfrm>
           <a:prstGeom prst="rect">
             <a:avLst/>
           </a:prstGeom>
         </p:spPr>
       </p:pic>
+      <p:sp>
+        <p:nvSpPr>
+          <p:cNvPr id="5" name="TextBox 4">
+            <a:extLst>
+              <a:ext uri="{FF2B5EF4-FFF2-40B4-BE49-F238E27FC236}">
+                <a16:creationId xmlns:a16="http://schemas.microsoft.com/office/drawing/2014/main" id="{45371EAF-B87C-4719-8DBC-F45EC93EC9C8}"/>
+              </a:ext>
+            </a:extLst>
+          </p:cNvPr>
+          <p:cNvSpPr txBox="1"/>
+          <p:nvPr/>
+        </p:nvSpPr>
+        <p:spPr>
+          <a:xfrm>
+            <a:off x="557607" y="6129495"/>
+            <a:ext cx="6225029" cy="276999"/>
+          </a:xfrm>
+          <a:prstGeom prst="rect">
+            <a:avLst/>
+          </a:prstGeom>
+          <a:noFill/>
+        </p:spPr>
+        <p:txBody>
+          <a:bodyPr wrap="square" rtlCol="0">
+            <a:spAutoFit/>
+          </a:bodyPr>
+          <a:lstStyle/>
+          <a:p>
+            <a:r>
+              <a:rPr lang="en-US" sz="1200" b="1" dirty="0"/>
+              <a:t>Source</a:t>
+            </a:r>
+            <a:r>
+              <a:rPr lang="en-US" sz="1200" dirty="0"/>
+              <a:t>: </a:t>
+            </a:r>
+            <a:r>
+              <a:rPr lang="en-US" sz="1200" dirty="0">
+                <a:hlinkClick r:id="rId4"/>
+              </a:rPr>
+              <a:t>https://github.com/CSSEGISandData/COVID-19</a:t>
+            </a:r>
+            <a:r>
+              <a:rPr lang="en-US" sz="1200" dirty="0"/>
+              <a:t>; Data Repository by Johns Hopkins CSSE</a:t>
+            </a:r>
+            <a:endParaRPr lang="en-US" dirty="0"/>
+          </a:p>
+        </p:txBody>
+      </p:sp>
     </p:spTree>
     <p:extLst>
       <p:ext uri="{BB962C8B-B14F-4D97-AF65-F5344CB8AC3E}">
-        <p14:creationId xmlns:p14="http://schemas.microsoft.com/office/powerpoint/2010/main" val="58820877"/>
+        <p14:creationId xmlns:p14="http://schemas.microsoft.com/office/powerpoint/2010/main" val="451255934"/>
       </p:ext>
     </p:extLst>
   </p:cSld>
@@ -4518,7 +4892,7 @@
           <p:cNvPr id="2" name="Title 1">
             <a:extLst>
               <a:ext uri="{FF2B5EF4-FFF2-40B4-BE49-F238E27FC236}">
-                <a16:creationId xmlns:a16="http://schemas.microsoft.com/office/drawing/2014/main" id="{2AFD4A13-EACD-4201-ABE8-CFF79D96A66F}"/>
+                <a16:creationId xmlns:a16="http://schemas.microsoft.com/office/drawing/2014/main" id="{2361983D-3F2E-4740-8E58-9F9030DAE9E2}"/>
               </a:ext>
             </a:extLst>
           </p:cNvPr>
@@ -4543,22 +4917,20 @@
       </p:sp>
       <p:pic>
         <p:nvPicPr>
-          <p:cNvPr id="6" name="Content Placeholder 5" descr="A close up of a map&#10;&#10;Description automatically generated">
-            <a:extLst>
-              <a:ext uri="{FF2B5EF4-FFF2-40B4-BE49-F238E27FC236}">
-                <a16:creationId xmlns:a16="http://schemas.microsoft.com/office/drawing/2014/main" id="{70F92CAF-67BB-4A58-9F98-5D6A8BB65932}"/>
+          <p:cNvPr id="11" name="Picture 10" descr="A screenshot of a cell phone&#10;&#10;Description automatically generated">
+            <a:extLst>
+              <a:ext uri="{FF2B5EF4-FFF2-40B4-BE49-F238E27FC236}">
+                <a16:creationId xmlns:a16="http://schemas.microsoft.com/office/drawing/2014/main" id="{819B4081-7BB8-4E80-B5F9-842551FCCB81}"/>
               </a:ext>
             </a:extLst>
           </p:cNvPr>
           <p:cNvPicPr>
-            <a:picLocks noGrp="1" noChangeAspect="1"/>
+            <a:picLocks noChangeAspect="1"/>
           </p:cNvPicPr>
-          <p:nvPr>
-            <p:ph idx="1"/>
-          </p:nvPr>
+          <p:nvPr/>
         </p:nvPicPr>
         <p:blipFill>
-          <a:blip r:embed="rId2">
+          <a:blip r:embed="rId3">
             <a:extLst>
               <a:ext uri="{28A0092B-C50C-407E-A947-70E740481C1C}">
                 <a14:useLocalDpi xmlns:a14="http://schemas.microsoft.com/office/drawing/2010/main" val="0"/>
@@ -4571,17 +4943,70 @@
         </p:blipFill>
         <p:spPr>
           <a:xfrm>
-            <a:off x="5840833" y="2380246"/>
-            <a:ext cx="5512967" cy="2745022"/>
+            <a:off x="6064059" y="2330999"/>
+            <a:ext cx="5289741" cy="3158184"/>
           </a:xfrm>
+          <a:prstGeom prst="rect">
+            <a:avLst/>
+          </a:prstGeom>
         </p:spPr>
       </p:pic>
+      <p:sp>
+        <p:nvSpPr>
+          <p:cNvPr id="4" name="TextBox 3">
+            <a:extLst>
+              <a:ext uri="{FF2B5EF4-FFF2-40B4-BE49-F238E27FC236}">
+                <a16:creationId xmlns:a16="http://schemas.microsoft.com/office/drawing/2014/main" id="{4BB5F220-B3CE-4A7E-9822-2F2087D6EBA0}"/>
+              </a:ext>
+            </a:extLst>
+          </p:cNvPr>
+          <p:cNvSpPr txBox="1"/>
+          <p:nvPr/>
+        </p:nvSpPr>
+        <p:spPr>
+          <a:xfrm>
+            <a:off x="557607" y="6129495"/>
+            <a:ext cx="6225029" cy="276999"/>
+          </a:xfrm>
+          <a:prstGeom prst="rect">
+            <a:avLst/>
+          </a:prstGeom>
+          <a:noFill/>
+        </p:spPr>
+        <p:txBody>
+          <a:bodyPr wrap="square" rtlCol="0">
+            <a:spAutoFit/>
+          </a:bodyPr>
+          <a:lstStyle/>
+          <a:p>
+            <a:r>
+              <a:rPr lang="en-US" sz="1200" b="1" dirty="0"/>
+              <a:t>Source</a:t>
+            </a:r>
+            <a:r>
+              <a:rPr lang="en-US" sz="1200" dirty="0"/>
+              <a:t>: </a:t>
+            </a:r>
+            <a:r>
+              <a:rPr lang="en-US" sz="1200" dirty="0">
+                <a:hlinkClick r:id="rId4"/>
+              </a:rPr>
+              <a:t>https://github.com/CSSEGISandData/COVID-19</a:t>
+            </a:r>
+            <a:r>
+              <a:rPr lang="en-US" sz="1200" dirty="0"/>
+              <a:t>; Data Repository by Johns Hopkins CSSE</a:t>
+            </a:r>
+            <a:endParaRPr lang="en-US" dirty="0"/>
+          </a:p>
+        </p:txBody>
+      </p:sp>
       <p:pic>
         <p:nvPicPr>
-          <p:cNvPr id="9" name="Picture 8" descr="A screenshot of a cell phone&#10;&#10;Description automatically generated">
-            <a:extLst>
-              <a:ext uri="{FF2B5EF4-FFF2-40B4-BE49-F238E27FC236}">
-                <a16:creationId xmlns:a16="http://schemas.microsoft.com/office/drawing/2014/main" id="{FB327719-2EC1-4968-B454-8394F57D1F8F}"/>
+          <p:cNvPr id="7" name="Picture 6" descr="A screenshot of a cell phone&#10;&#10;Description automatically generated">
+            <a:extLst>
+              <a:ext uri="{FF2B5EF4-FFF2-40B4-BE49-F238E27FC236}">
+                <a16:creationId xmlns:a16="http://schemas.microsoft.com/office/drawing/2014/main" id="{FC2E17BD-0685-4638-B793-8D4137E68C99}"/>
               </a:ext>
             </a:extLst>
           </p:cNvPr>
@@ -4591,7 +5016,7 @@
           <p:nvPr/>
         </p:nvPicPr>
         <p:blipFill>
-          <a:blip r:embed="rId3">
+          <a:blip r:embed="rId5">
             <a:extLst>
               <a:ext uri="{28A0092B-C50C-407E-A947-70E740481C1C}">
                 <a14:useLocalDpi xmlns:a14="http://schemas.microsoft.com/office/drawing/2010/main" val="0"/>
@@ -4604,8 +5029,8 @@
         </p:blipFill>
         <p:spPr>
           <a:xfrm>
-            <a:off x="838200" y="1998808"/>
-            <a:ext cx="4601759" cy="3503473"/>
+            <a:off x="838200" y="2444205"/>
+            <a:ext cx="4918087" cy="2843902"/>
           </a:xfrm>
           <a:prstGeom prst="rect">
             <a:avLst/>
@@ -4615,7 +5040,7 @@
     </p:spTree>
     <p:extLst>
       <p:ext uri="{BB962C8B-B14F-4D97-AF65-F5344CB8AC3E}">
-        <p14:creationId xmlns:p14="http://schemas.microsoft.com/office/powerpoint/2010/main" val="451255934"/>
+        <p14:creationId xmlns:p14="http://schemas.microsoft.com/office/powerpoint/2010/main" val="58820877"/>
       </p:ext>
     </p:extLst>
   </p:cSld>
@@ -4647,6 +5072,184 @@
           <p:cNvPr id="2" name="Title 1">
             <a:extLst>
               <a:ext uri="{FF2B5EF4-FFF2-40B4-BE49-F238E27FC236}">
+                <a16:creationId xmlns:a16="http://schemas.microsoft.com/office/drawing/2014/main" id="{D86443BA-5640-4A2D-A885-D1488B5FDD1B}"/>
+              </a:ext>
+            </a:extLst>
+          </p:cNvPr>
+          <p:cNvSpPr>
+            <a:spLocks noGrp="1"/>
+          </p:cNvSpPr>
+          <p:nvPr>
+            <p:ph type="title"/>
+          </p:nvPr>
+        </p:nvSpPr>
+        <p:spPr/>
+        <p:txBody>
+          <a:bodyPr/>
+          <a:lstStyle/>
+          <a:p>
+            <a:r>
+              <a:rPr lang="en-US" dirty="0"/>
+              <a:t>Data Exploration</a:t>
+            </a:r>
+          </a:p>
+        </p:txBody>
+      </p:sp>
+      <p:pic>
+        <p:nvPicPr>
+          <p:cNvPr id="4" name="Content Placeholder 9" descr="A picture containing text, map&#10;&#10;Description automatically generated">
+            <a:extLst>
+              <a:ext uri="{FF2B5EF4-FFF2-40B4-BE49-F238E27FC236}">
+                <a16:creationId xmlns:a16="http://schemas.microsoft.com/office/drawing/2014/main" id="{71B6AB36-EB76-4283-96D6-936060FC061A}"/>
+              </a:ext>
+            </a:extLst>
+          </p:cNvPr>
+          <p:cNvPicPr>
+            <a:picLocks noGrp="1" noChangeAspect="1"/>
+          </p:cNvPicPr>
+          <p:nvPr>
+            <p:ph idx="1"/>
+          </p:nvPr>
+        </p:nvPicPr>
+        <p:blipFill>
+          <a:blip r:embed="rId3">
+            <a:extLst>
+              <a:ext uri="{28A0092B-C50C-407E-A947-70E740481C1C}">
+                <a14:useLocalDpi xmlns:a14="http://schemas.microsoft.com/office/drawing/2010/main" val="0"/>
+              </a:ext>
+            </a:extLst>
+          </a:blip>
+          <a:stretch>
+            <a:fillRect/>
+          </a:stretch>
+        </p:blipFill>
+        <p:spPr>
+          <a:xfrm>
+            <a:off x="1885585" y="2019922"/>
+            <a:ext cx="8420830" cy="3962743"/>
+          </a:xfrm>
+        </p:spPr>
+      </p:pic>
+      <p:sp>
+        <p:nvSpPr>
+          <p:cNvPr id="5" name="TextBox 4">
+            <a:extLst>
+              <a:ext uri="{FF2B5EF4-FFF2-40B4-BE49-F238E27FC236}">
+                <a16:creationId xmlns:a16="http://schemas.microsoft.com/office/drawing/2014/main" id="{A4D29B6D-EB55-426C-A7FF-E56D57B1A69C}"/>
+              </a:ext>
+            </a:extLst>
+          </p:cNvPr>
+          <p:cNvSpPr txBox="1"/>
+          <p:nvPr/>
+        </p:nvSpPr>
+        <p:spPr>
+          <a:xfrm>
+            <a:off x="3248662" y="1690688"/>
+            <a:ext cx="5694675" cy="369332"/>
+          </a:xfrm>
+          <a:prstGeom prst="rect">
+            <a:avLst/>
+          </a:prstGeom>
+          <a:noFill/>
+        </p:spPr>
+        <p:txBody>
+          <a:bodyPr wrap="square" rtlCol="0">
+            <a:spAutoFit/>
+          </a:bodyPr>
+          <a:lstStyle/>
+          <a:p>
+            <a:r>
+              <a:rPr lang="en-US" dirty="0"/>
+              <a:t>Number of deaths by COVID-19 by state (choropleth map) </a:t>
+            </a:r>
+          </a:p>
+        </p:txBody>
+      </p:sp>
+      <p:sp>
+        <p:nvSpPr>
+          <p:cNvPr id="6" name="TextBox 5">
+            <a:extLst>
+              <a:ext uri="{FF2B5EF4-FFF2-40B4-BE49-F238E27FC236}">
+                <a16:creationId xmlns:a16="http://schemas.microsoft.com/office/drawing/2014/main" id="{6683A33E-424D-498D-AE1E-2FC07516E58D}"/>
+              </a:ext>
+            </a:extLst>
+          </p:cNvPr>
+          <p:cNvSpPr txBox="1"/>
+          <p:nvPr/>
+        </p:nvSpPr>
+        <p:spPr>
+          <a:xfrm>
+            <a:off x="557607" y="6129495"/>
+            <a:ext cx="6225029" cy="276999"/>
+          </a:xfrm>
+          <a:prstGeom prst="rect">
+            <a:avLst/>
+          </a:prstGeom>
+          <a:noFill/>
+        </p:spPr>
+        <p:txBody>
+          <a:bodyPr wrap="square" rtlCol="0">
+            <a:spAutoFit/>
+          </a:bodyPr>
+          <a:lstStyle/>
+          <a:p>
+            <a:r>
+              <a:rPr lang="en-US" sz="1200" b="1" dirty="0"/>
+              <a:t>Source</a:t>
+            </a:r>
+            <a:r>
+              <a:rPr lang="en-US" sz="1200" dirty="0"/>
+              <a:t>: </a:t>
+            </a:r>
+            <a:r>
+              <a:rPr lang="en-US" sz="1200" dirty="0">
+                <a:hlinkClick r:id="rId4"/>
+              </a:rPr>
+              <a:t>https://github.com/CSSEGISandData/COVID-19</a:t>
+            </a:r>
+            <a:r>
+              <a:rPr lang="en-US" sz="1200" dirty="0"/>
+              <a:t>; Data Repository by Johns Hopkins CSSE</a:t>
+            </a:r>
+            <a:endParaRPr lang="en-US" dirty="0"/>
+          </a:p>
+        </p:txBody>
+      </p:sp>
+    </p:spTree>
+    <p:extLst>
+      <p:ext uri="{BB962C8B-B14F-4D97-AF65-F5344CB8AC3E}">
+        <p14:creationId xmlns:p14="http://schemas.microsoft.com/office/powerpoint/2010/main" val="3858242091"/>
+      </p:ext>
+    </p:extLst>
+  </p:cSld>
+  <p:clrMapOvr>
+    <a:masterClrMapping/>
+  </p:clrMapOvr>
+</p:sld>
+</file>
+
+<file path=ppt/slides/slide6.xml><?xml version="1.0" encoding="utf-8"?>
+<p:sld xmlns:a="http://schemas.openxmlformats.org/drawingml/2006/main" xmlns:r="http://schemas.openxmlformats.org/officeDocument/2006/relationships" xmlns:p="http://schemas.openxmlformats.org/presentationml/2006/main" show="0">
+  <p:cSld>
+    <p:spTree>
+      <p:nvGrpSpPr>
+        <p:cNvPr id="1" name=""/>
+        <p:cNvGrpSpPr/>
+        <p:nvPr/>
+      </p:nvGrpSpPr>
+      <p:grpSpPr>
+        <a:xfrm>
+          <a:off x="0" y="0"/>
+          <a:ext cx="0" cy="0"/>
+          <a:chOff x="0" y="0"/>
+          <a:chExt cx="0" cy="0"/>
+        </a:xfrm>
+      </p:grpSpPr>
+      <p:sp>
+        <p:nvSpPr>
+          <p:cNvPr id="2" name="Title 1">
+            <a:extLst>
+              <a:ext uri="{FF2B5EF4-FFF2-40B4-BE49-F238E27FC236}">
                 <a16:creationId xmlns:a16="http://schemas.microsoft.com/office/drawing/2014/main" id="{EECE2759-9077-44AA-AC74-A65DC11EDF69}"/>
               </a:ext>
             </a:extLst>
@@ -4737,7 +5340,15 @@
           <a:p>
             <a:r>
               <a:rPr lang="en-US" dirty="0"/>
-              <a:t>One sided t-test (N.B. Not a simple random sample)</a:t>
+              <a:t>One sided t-test (</a:t>
+            </a:r>
+            <a:r>
+              <a:rPr lang="en-US" b="1" dirty="0"/>
+              <a:t>N.B.</a:t>
+            </a:r>
+            <a:r>
+              <a:rPr lang="en-US" dirty="0"/>
+              <a:t> Not a simple random sample)</a:t>
             </a:r>
           </a:p>
           <a:p>
@@ -4751,7 +5362,7 @@
             <a:pPr lvl="2"/>
             <a:r>
               <a:rPr lang="en-US" dirty="0"/>
-              <a:t>The difference of means between the populations is low. p=.10, which is bigger than .05. </a:t>
+              <a:t>The difference of means between the populations is low and p=.10, which is bigger than .05. </a:t>
             </a:r>
           </a:p>
           <a:p>
@@ -4804,6 +5415,56 @@
             </a:r>
           </a:p>
           <a:p>
+            <a:endParaRPr lang="en-US" dirty="0"/>
+          </a:p>
+        </p:txBody>
+      </p:sp>
+      <p:sp>
+        <p:nvSpPr>
+          <p:cNvPr id="4" name="TextBox 3">
+            <a:extLst>
+              <a:ext uri="{FF2B5EF4-FFF2-40B4-BE49-F238E27FC236}">
+                <a16:creationId xmlns:a16="http://schemas.microsoft.com/office/drawing/2014/main" id="{5AD44ACA-6B59-4607-9C3B-D039172C9673}"/>
+              </a:ext>
+            </a:extLst>
+          </p:cNvPr>
+          <p:cNvSpPr txBox="1"/>
+          <p:nvPr/>
+        </p:nvSpPr>
+        <p:spPr>
+          <a:xfrm>
+            <a:off x="557607" y="6129495"/>
+            <a:ext cx="6225029" cy="461665"/>
+          </a:xfrm>
+          <a:prstGeom prst="rect">
+            <a:avLst/>
+          </a:prstGeom>
+          <a:noFill/>
+        </p:spPr>
+        <p:txBody>
+          <a:bodyPr wrap="square" rtlCol="0">
+            <a:spAutoFit/>
+          </a:bodyPr>
+          <a:lstStyle/>
+          <a:p>
+            <a:r>
+              <a:rPr lang="en-US" sz="1200" b="1" dirty="0"/>
+              <a:t>Source</a:t>
+            </a:r>
+            <a:r>
+              <a:rPr lang="en-US" sz="1200" dirty="0"/>
+              <a:t>: </a:t>
+            </a:r>
+            <a:r>
+              <a:rPr lang="en-US" sz="1200" dirty="0">
+                <a:hlinkClick r:id="rId3"/>
+              </a:rPr>
+              <a:t>http://globalhealth5050.org/covid19/</a:t>
+            </a:r>
+            <a:r>
+              <a:rPr lang="en-US" sz="1200" dirty="0"/>
+              <a:t>, aggregate data of all countries that report gender differences in COVID-19 related cases &amp; deaths</a:t>
+            </a:r>
             <a:endParaRPr lang="en-US" dirty="0"/>
           </a:p>
         </p:txBody>
@@ -4821,7 +5482,7 @@
 </p:sld>
 </file>
 
-<file path=ppt/slides/slide6.xml><?xml version="1.0" encoding="utf-8"?>
+<file path=ppt/slides/slide7.xml><?xml version="1.0" encoding="utf-8"?>
 <p:sld xmlns:a="http://schemas.openxmlformats.org/drawingml/2006/main" xmlns:r="http://schemas.openxmlformats.org/officeDocument/2006/relationships" xmlns:p="http://schemas.openxmlformats.org/presentationml/2006/main">
   <p:cSld>
     <p:spTree>
@@ -4896,12 +5557,6 @@
             <a:r>
               <a:rPr lang="en-US" dirty="0"/>
               <a:t>But the virus is quickly spreading, and other hotspots are forming</a:t>
-            </a:r>
-          </a:p>
-          <a:p>
-            <a:r>
-              <a:rPr lang="en-US" dirty="0"/>
-              <a:t>There should be more focus on how to prevent infection of COVID-19 in men because they are more susceptible to its effects</a:t>
             </a:r>
           </a:p>
           <a:p>

--- a/presentation/COVID-19 USA EDA.pptx
+++ b/presentation/COVID-19 USA EDA.pptx
@@ -4915,42 +4915,6 @@
           </a:p>
         </p:txBody>
       </p:sp>
-      <p:pic>
-        <p:nvPicPr>
-          <p:cNvPr id="11" name="Picture 10" descr="A screenshot of a cell phone&#10;&#10;Description automatically generated">
-            <a:extLst>
-              <a:ext uri="{FF2B5EF4-FFF2-40B4-BE49-F238E27FC236}">
-                <a16:creationId xmlns:a16="http://schemas.microsoft.com/office/drawing/2014/main" id="{819B4081-7BB8-4E80-B5F9-842551FCCB81}"/>
-              </a:ext>
-            </a:extLst>
-          </p:cNvPr>
-          <p:cNvPicPr>
-            <a:picLocks noChangeAspect="1"/>
-          </p:cNvPicPr>
-          <p:nvPr/>
-        </p:nvPicPr>
-        <p:blipFill>
-          <a:blip r:embed="rId3">
-            <a:extLst>
-              <a:ext uri="{28A0092B-C50C-407E-A947-70E740481C1C}">
-                <a14:useLocalDpi xmlns:a14="http://schemas.microsoft.com/office/drawing/2010/main" val="0"/>
-              </a:ext>
-            </a:extLst>
-          </a:blip>
-          <a:stretch>
-            <a:fillRect/>
-          </a:stretch>
-        </p:blipFill>
-        <p:spPr>
-          <a:xfrm>
-            <a:off x="6064059" y="2330999"/>
-            <a:ext cx="5289741" cy="3158184"/>
-          </a:xfrm>
-          <a:prstGeom prst="rect">
-            <a:avLst/>
-          </a:prstGeom>
-        </p:spPr>
-      </p:pic>
       <p:sp>
         <p:nvSpPr>
           <p:cNvPr id="4" name="TextBox 3">
@@ -4989,7 +4953,7 @@
             </a:r>
             <a:r>
               <a:rPr lang="en-US" sz="1200" dirty="0">
-                <a:hlinkClick r:id="rId4"/>
+                <a:hlinkClick r:id="rId3"/>
               </a:rPr>
               <a:t>https://github.com/CSSEGISandData/COVID-19</a:t>
             </a:r>
@@ -5007,6 +4971,42 @@
             <a:extLst>
               <a:ext uri="{FF2B5EF4-FFF2-40B4-BE49-F238E27FC236}">
                 <a16:creationId xmlns:a16="http://schemas.microsoft.com/office/drawing/2014/main" id="{FC2E17BD-0685-4638-B793-8D4137E68C99}"/>
+              </a:ext>
+            </a:extLst>
+          </p:cNvPr>
+          <p:cNvPicPr>
+            <a:picLocks noChangeAspect="1"/>
+          </p:cNvPicPr>
+          <p:nvPr/>
+        </p:nvPicPr>
+        <p:blipFill>
+          <a:blip r:embed="rId4">
+            <a:extLst>
+              <a:ext uri="{28A0092B-C50C-407E-A947-70E740481C1C}">
+                <a14:useLocalDpi xmlns:a14="http://schemas.microsoft.com/office/drawing/2010/main" val="0"/>
+              </a:ext>
+            </a:extLst>
+          </a:blip>
+          <a:stretch>
+            <a:fillRect/>
+          </a:stretch>
+        </p:blipFill>
+        <p:spPr>
+          <a:xfrm>
+            <a:off x="676752" y="2444205"/>
+            <a:ext cx="5079535" cy="2937260"/>
+          </a:xfrm>
+          <a:prstGeom prst="rect">
+            <a:avLst/>
+          </a:prstGeom>
+        </p:spPr>
+      </p:pic>
+      <p:pic>
+        <p:nvPicPr>
+          <p:cNvPr id="10" name="Picture 9" descr="A screenshot of a cell phone&#10;&#10;Description automatically generated">
+            <a:extLst>
+              <a:ext uri="{FF2B5EF4-FFF2-40B4-BE49-F238E27FC236}">
+                <a16:creationId xmlns:a16="http://schemas.microsoft.com/office/drawing/2014/main" id="{3020C713-946E-4DEC-922A-1D4E6465322D}"/>
               </a:ext>
             </a:extLst>
           </p:cNvPr>
@@ -5029,8 +5029,8 @@
         </p:blipFill>
         <p:spPr>
           <a:xfrm>
-            <a:off x="838200" y="2444205"/>
-            <a:ext cx="4918087" cy="2843902"/>
+            <a:off x="6095999" y="2444204"/>
+            <a:ext cx="4575349" cy="2937261"/>
           </a:xfrm>
           <a:prstGeom prst="rect">
             <a:avLst/>

--- a/presentation/COVID-19 USA EDA.pptx
+++ b/presentation/COVID-19 USA EDA.pptx
@@ -215,7 +215,7 @@
           <a:p>
             <a:fld id="{BA567D6B-F80A-47E7-860A-243C286B4F86}" type="datetimeFigureOut">
               <a:rPr lang="en-US" smtClean="0"/>
-              <a:t>4/9/2020</a:t>
+              <a:t>4/10/2020</a:t>
             </a:fld>
             <a:endParaRPr lang="en-US"/>
           </a:p>
@@ -545,7 +545,7 @@
             </a:pPr>
             <a:r>
               <a:rPr lang="en-US" dirty="0"/>
-              <a:t>the likes of which we haven’t seen in the past 100 years and it affects everyone in the country and internationally </a:t>
+              <a:t>the likes of which we haven’t seen in the past 100 years and it affects everyone in the US and internationally </a:t>
             </a:r>
           </a:p>
           <a:p>
@@ -555,7 +555,7 @@
             </a:pPr>
             <a:r>
               <a:rPr lang="en-US" dirty="0"/>
-              <a:t>We are all affected by it, especially our daily lives, we are not allowed to socialize and even have to work from home. And we are all paying attention to it and wondering when there will be a vaccine</a:t>
+              <a:t>We are all affected by it, especially our daily lives, we are not allowed to socialize and must work from home. And we are all paying attention to it and wondering when there will be a vaccine and whether and when we will return to our normal lives.</a:t>
             </a:r>
           </a:p>
           <a:p>
@@ -666,8 +666,13 @@
             </a:pPr>
             <a:r>
               <a:rPr lang="en-US" dirty="0"/>
-              <a:t>Left side is time-series data for the US as a whole</a:t>
-            </a:r>
+              <a:t>Left side is time-series data for the US as a whole, 3254 rows </a:t>
+            </a:r>
+            <a:r>
+              <a:rPr lang="en-US"/>
+              <a:t>and 100 columns</a:t>
+            </a:r>
+            <a:endParaRPr lang="en-US" dirty="0"/>
           </a:p>
         </p:txBody>
       </p:sp>
@@ -757,7 +762,7 @@
             </a:pPr>
             <a:r>
               <a:rPr lang="en-US" dirty="0"/>
-              <a:t>Snapshot data up to that day, for example 04/08/2020 – US States &amp; Counties; Cases &amp; Deaths.</a:t>
+              <a:t>Snapshot data up to that day, for example 04/08/2020 – US States &amp; Counties; Cases &amp; Deaths. 2680 rows and 10 columns.</a:t>
             </a:r>
           </a:p>
         </p:txBody>
@@ -1116,7 +1121,7 @@
           <a:p>
             <a:fld id="{A6C4FA7C-9829-478B-BC69-9EFC423774AF}" type="datetimeFigureOut">
               <a:rPr lang="en-US" smtClean="0"/>
-              <a:t>4/9/2020</a:t>
+              <a:t>4/10/2020</a:t>
             </a:fld>
             <a:endParaRPr lang="en-US"/>
           </a:p>
@@ -1314,7 +1319,7 @@
           <a:p>
             <a:fld id="{A6C4FA7C-9829-478B-BC69-9EFC423774AF}" type="datetimeFigureOut">
               <a:rPr lang="en-US" smtClean="0"/>
-              <a:t>4/9/2020</a:t>
+              <a:t>4/10/2020</a:t>
             </a:fld>
             <a:endParaRPr lang="en-US"/>
           </a:p>
@@ -1522,7 +1527,7 @@
           <a:p>
             <a:fld id="{A6C4FA7C-9829-478B-BC69-9EFC423774AF}" type="datetimeFigureOut">
               <a:rPr lang="en-US" smtClean="0"/>
-              <a:t>4/9/2020</a:t>
+              <a:t>4/10/2020</a:t>
             </a:fld>
             <a:endParaRPr lang="en-US"/>
           </a:p>
@@ -1720,7 +1725,7 @@
           <a:p>
             <a:fld id="{A6C4FA7C-9829-478B-BC69-9EFC423774AF}" type="datetimeFigureOut">
               <a:rPr lang="en-US" smtClean="0"/>
-              <a:t>4/9/2020</a:t>
+              <a:t>4/10/2020</a:t>
             </a:fld>
             <a:endParaRPr lang="en-US"/>
           </a:p>
@@ -1995,7 +2000,7 @@
           <a:p>
             <a:fld id="{A6C4FA7C-9829-478B-BC69-9EFC423774AF}" type="datetimeFigureOut">
               <a:rPr lang="en-US" smtClean="0"/>
-              <a:t>4/9/2020</a:t>
+              <a:t>4/10/2020</a:t>
             </a:fld>
             <a:endParaRPr lang="en-US"/>
           </a:p>
@@ -2260,7 +2265,7 @@
           <a:p>
             <a:fld id="{A6C4FA7C-9829-478B-BC69-9EFC423774AF}" type="datetimeFigureOut">
               <a:rPr lang="en-US" smtClean="0"/>
-              <a:t>4/9/2020</a:t>
+              <a:t>4/10/2020</a:t>
             </a:fld>
             <a:endParaRPr lang="en-US"/>
           </a:p>
@@ -2672,7 +2677,7 @@
           <a:p>
             <a:fld id="{A6C4FA7C-9829-478B-BC69-9EFC423774AF}" type="datetimeFigureOut">
               <a:rPr lang="en-US" smtClean="0"/>
-              <a:t>4/9/2020</a:t>
+              <a:t>4/10/2020</a:t>
             </a:fld>
             <a:endParaRPr lang="en-US"/>
           </a:p>
@@ -2813,7 +2818,7 @@
           <a:p>
             <a:fld id="{A6C4FA7C-9829-478B-BC69-9EFC423774AF}" type="datetimeFigureOut">
               <a:rPr lang="en-US" smtClean="0"/>
-              <a:t>4/9/2020</a:t>
+              <a:t>4/10/2020</a:t>
             </a:fld>
             <a:endParaRPr lang="en-US"/>
           </a:p>
@@ -2926,7 +2931,7 @@
           <a:p>
             <a:fld id="{A6C4FA7C-9829-478B-BC69-9EFC423774AF}" type="datetimeFigureOut">
               <a:rPr lang="en-US" smtClean="0"/>
-              <a:t>4/9/2020</a:t>
+              <a:t>4/10/2020</a:t>
             </a:fld>
             <a:endParaRPr lang="en-US"/>
           </a:p>
@@ -3237,7 +3242,7 @@
           <a:p>
             <a:fld id="{A6C4FA7C-9829-478B-BC69-9EFC423774AF}" type="datetimeFigureOut">
               <a:rPr lang="en-US" smtClean="0"/>
-              <a:t>4/9/2020</a:t>
+              <a:t>4/10/2020</a:t>
             </a:fld>
             <a:endParaRPr lang="en-US"/>
           </a:p>
@@ -3525,7 +3530,7 @@
           <a:p>
             <a:fld id="{A6C4FA7C-9829-478B-BC69-9EFC423774AF}" type="datetimeFigureOut">
               <a:rPr lang="en-US" smtClean="0"/>
-              <a:t>4/9/2020</a:t>
+              <a:t>4/10/2020</a:t>
             </a:fld>
             <a:endParaRPr lang="en-US"/>
           </a:p>
@@ -3766,7 +3771,7 @@
           <a:p>
             <a:fld id="{A6C4FA7C-9829-478B-BC69-9EFC423774AF}" type="datetimeFigureOut">
               <a:rPr lang="en-US" smtClean="0"/>
-              <a:t>4/9/2020</a:t>
+              <a:t>4/10/2020</a:t>
             </a:fld>
             <a:endParaRPr lang="en-US"/>
           </a:p>
@@ -5571,6 +5576,27 @@
               <a:rPr lang="en-US" dirty="0"/>
               <a:t>As more data comes in about COVID-19, I can investigate income levels, BCG vaccine, density and their relationship with the number of cases in each state/county/country.</a:t>
             </a:r>
+          </a:p>
+          <a:p>
+            <a:r>
+              <a:rPr lang="en-US" dirty="0"/>
+              <a:t>Link to </a:t>
+            </a:r>
+            <a:r>
+              <a:rPr lang="en-US" dirty="0" err="1"/>
+              <a:t>Github</a:t>
+            </a:r>
+            <a:r>
+              <a:rPr lang="en-US" dirty="0"/>
+              <a:t>: </a:t>
+            </a:r>
+            <a:r>
+              <a:rPr lang="en-US" dirty="0">
+                <a:hlinkClick r:id="rId2"/>
+              </a:rPr>
+              <a:t>https://github.com/plamengj/COVID-19-in-the-US-EDA</a:t>
+            </a:r>
+            <a:endParaRPr lang="en-US" dirty="0"/>
           </a:p>
         </p:txBody>
       </p:sp>
